--- a/Posters/MF-RMAB_SYNTACS_Poster.pptx
+++ b/Posters/MF-RMAB_SYNTACS_Poster.pptx
@@ -318,6 +318,59 @@
 </p:presentation>
 </file>
 
+<file path=ppt/revisionInfo.xml><?xml version="1.0" encoding="utf-8"?>
+<p1510:revInfo xmlns:a="http://schemas.openxmlformats.org/drawingml/2006/main" xmlns:r="http://schemas.openxmlformats.org/officeDocument/2006/relationships" xmlns:p1510="http://schemas.microsoft.com/office/powerpoint/2015/10/main">
+  <p1510:revLst>
+    <p1510:client id="{8C822D02-3011-4F6C-96A8-0E13DA56510D}" v="1" dt="2024-05-01T07:05:07.463"/>
+  </p1510:revLst>
+</p1510:revInfo>
+</file>
+
+<file path=ppt/changesInfos/changesInfo1.xml><?xml version="1.0" encoding="utf-8"?>
+<pc:chgInfo xmlns:a="http://schemas.openxmlformats.org/drawingml/2006/main" xmlns:r="http://schemas.openxmlformats.org/officeDocument/2006/relationships" xmlns:ac="http://schemas.microsoft.com/office/drawing/2013/main/command" xmlns:pc="http://schemas.microsoft.com/office/powerpoint/2013/main/command">
+  <pc:docChgLst>
+    <pc:chgData name="Sujit Gujar" userId="4808e315e35fc1c3" providerId="LiveId" clId="{8C822D02-3011-4F6C-96A8-0E13DA56510D}"/>
+    <pc:docChg chg="custSel modSld">
+      <pc:chgData name="Sujit Gujar" userId="4808e315e35fc1c3" providerId="LiveId" clId="{8C822D02-3011-4F6C-96A8-0E13DA56510D}" dt="2024-05-01T07:06:03.067" v="17" actId="1076"/>
+      <pc:docMkLst>
+        <pc:docMk/>
+      </pc:docMkLst>
+      <pc:sldChg chg="addSp modSp mod">
+        <pc:chgData name="Sujit Gujar" userId="4808e315e35fc1c3" providerId="LiveId" clId="{8C822D02-3011-4F6C-96A8-0E13DA56510D}" dt="2024-05-01T07:06:03.067" v="17" actId="1076"/>
+        <pc:sldMkLst>
+          <pc:docMk/>
+          <pc:sldMk cId="0" sldId="256"/>
+        </pc:sldMkLst>
+        <pc:spChg chg="mod">
+          <ac:chgData name="Sujit Gujar" userId="4808e315e35fc1c3" providerId="LiveId" clId="{8C822D02-3011-4F6C-96A8-0E13DA56510D}" dt="2024-05-01T07:05:07.802" v="1" actId="27636"/>
+          <ac:spMkLst>
+            <pc:docMk/>
+            <pc:sldMk cId="0" sldId="256"/>
+            <ac:spMk id="91" creationId="{00000000-0000-0000-0000-000000000000}"/>
+          </ac:spMkLst>
+        </pc:spChg>
+        <pc:picChg chg="add mod">
+          <ac:chgData name="Sujit Gujar" userId="4808e315e35fc1c3" providerId="LiveId" clId="{8C822D02-3011-4F6C-96A8-0E13DA56510D}" dt="2024-05-01T07:06:03.067" v="17" actId="1076"/>
+          <ac:picMkLst>
+            <pc:docMk/>
+            <pc:sldMk cId="0" sldId="256"/>
+            <ac:picMk id="8" creationId="{14B01238-9D8B-BF7B-624C-9DB270D7BFEE}"/>
+          </ac:picMkLst>
+        </pc:picChg>
+        <pc:picChg chg="add mod">
+          <ac:chgData name="Sujit Gujar" userId="4808e315e35fc1c3" providerId="LiveId" clId="{8C822D02-3011-4F6C-96A8-0E13DA56510D}" dt="2024-05-01T07:05:36.235" v="12" actId="1076"/>
+          <ac:picMkLst>
+            <pc:docMk/>
+            <pc:sldMk cId="0" sldId="256"/>
+            <ac:picMk id="13" creationId="{F995C2E1-2433-9C29-E642-F40708149E27}"/>
+          </ac:picMkLst>
+        </pc:picChg>
+      </pc:sldChg>
+    </pc:docChg>
+  </pc:docChgLst>
+</pc:chgInfo>
+</file>
+
 <file path=ppt/notesMasters/notesMaster1.xml><?xml version="1.0" encoding="utf-8"?>
 <p:notesMaster xmlns:a="http://schemas.openxmlformats.org/drawingml/2006/main" xmlns:r="http://schemas.openxmlformats.org/officeDocument/2006/relationships" xmlns:p="http://schemas.openxmlformats.org/presentationml/2006/main">
   <p:cSld>
@@ -626,7 +679,7 @@
           </a:ln>
           <a:extLst>
             <a:ext uri="{C572A759-6A51-4108-AA02-DFA0A04FC94B}">
-              <ma14:wrappingTextBoxFlag xmlns:ma14="http://schemas.microsoft.com/office/mac/drawingml/2011/main" xmlns:a14="http://schemas.microsoft.com/office/drawing/2010/main" xmlns:m="http://schemas.openxmlformats.org/officeDocument/2006/math" xmlns="" val="1"/>
+              <ma14:wrappingTextBoxFlag xmlns="" xmlns:m="http://schemas.openxmlformats.org/officeDocument/2006/math" xmlns:a14="http://schemas.microsoft.com/office/drawing/2010/main" xmlns:ma14="http://schemas.microsoft.com/office/mac/drawingml/2011/main" val="1"/>
             </a:ext>
           </a:extLst>
         </p:spPr>
@@ -3600,7 +3653,7 @@
           </a:ln>
           <a:extLst>
             <a:ext uri="{C572A759-6A51-4108-AA02-DFA0A04FC94B}">
-              <ma14:wrappingTextBoxFlag xmlns:ma14="http://schemas.microsoft.com/office/mac/drawingml/2011/main" xmlns:a14="http://schemas.microsoft.com/office/drawing/2010/main" xmlns:m="http://schemas.openxmlformats.org/officeDocument/2006/math" xmlns="" val="1"/>
+              <ma14:wrappingTextBoxFlag xmlns="" xmlns:m="http://schemas.openxmlformats.org/officeDocument/2006/math" xmlns:a14="http://schemas.microsoft.com/office/drawing/2010/main" xmlns:ma14="http://schemas.microsoft.com/office/mac/drawingml/2011/main" val="1"/>
             </a:ext>
           </a:extLst>
         </p:spPr>
@@ -3798,7 +3851,7 @@
           </a:ln>
           <a:extLst>
             <a:ext uri="{C572A759-6A51-4108-AA02-DFA0A04FC94B}">
-              <ma14:wrappingTextBoxFlag xmlns:ma14="http://schemas.microsoft.com/office/mac/drawingml/2011/main" xmlns:a14="http://schemas.microsoft.com/office/drawing/2010/main" xmlns:m="http://schemas.openxmlformats.org/officeDocument/2006/math" xmlns="" val="1"/>
+              <ma14:wrappingTextBoxFlag xmlns="" xmlns:m="http://schemas.openxmlformats.org/officeDocument/2006/math" xmlns:a14="http://schemas.microsoft.com/office/drawing/2010/main" xmlns:ma14="http://schemas.microsoft.com/office/mac/drawingml/2011/main" val="1"/>
             </a:ext>
           </a:extLst>
         </p:spPr>
@@ -3835,7 +3888,7 @@
           </a:ln>
           <a:extLst>
             <a:ext uri="{C572A759-6A51-4108-AA02-DFA0A04FC94B}">
-              <ma14:wrappingTextBoxFlag xmlns:ma14="http://schemas.microsoft.com/office/mac/drawingml/2011/main" xmlns:a14="http://schemas.microsoft.com/office/drawing/2010/main" xmlns:m="http://schemas.openxmlformats.org/officeDocument/2006/math" xmlns="" val="1"/>
+              <ma14:wrappingTextBoxFlag xmlns="" xmlns:m="http://schemas.openxmlformats.org/officeDocument/2006/math" xmlns:a14="http://schemas.microsoft.com/office/drawing/2010/main" xmlns:ma14="http://schemas.microsoft.com/office/mac/drawingml/2011/main" val="1"/>
             </a:ext>
           </a:extLst>
         </p:spPr>
@@ -4882,7 +4935,7 @@
           </a:ln>
           <a:extLst>
             <a:ext uri="{C572A759-6A51-4108-AA02-DFA0A04FC94B}">
-              <ma14:wrappingTextBoxFlag xmlns:ma14="http://schemas.microsoft.com/office/mac/drawingml/2011/main" xmlns:a14="http://schemas.microsoft.com/office/drawing/2010/main" xmlns:m="http://schemas.openxmlformats.org/officeDocument/2006/math" xmlns="" val="1"/>
+              <ma14:wrappingTextBoxFlag xmlns="" xmlns:m="http://schemas.openxmlformats.org/officeDocument/2006/math" xmlns:a14="http://schemas.microsoft.com/office/drawing/2010/main" xmlns:ma14="http://schemas.microsoft.com/office/mac/drawingml/2011/main" val="1"/>
             </a:ext>
           </a:extLst>
         </p:spPr>
@@ -4939,7 +4992,7 @@
           </a:prstGeom>
           <a:extLst>
             <a:ext uri="{C572A759-6A51-4108-AA02-DFA0A04FC94B}">
-              <ma14:wrappingTextBoxFlag xmlns:ma14="http://schemas.microsoft.com/office/mac/drawingml/2011/main" xmlns:a14="http://schemas.microsoft.com/office/drawing/2010/main" xmlns:m="http://schemas.openxmlformats.org/officeDocument/2006/math" xmlns="" val="1"/>
+              <ma14:wrappingTextBoxFlag xmlns="" xmlns:m="http://schemas.openxmlformats.org/officeDocument/2006/math" xmlns:a14="http://schemas.microsoft.com/office/drawing/2010/main" xmlns:ma14="http://schemas.microsoft.com/office/mac/drawingml/2011/main" val="1"/>
             </a:ext>
           </a:extLst>
         </p:spPr>
@@ -4993,7 +5046,7 @@
           </a:prstGeom>
           <a:extLst>
             <a:ext uri="{C572A759-6A51-4108-AA02-DFA0A04FC94B}">
-              <ma14:wrappingTextBoxFlag xmlns:ma14="http://schemas.microsoft.com/office/mac/drawingml/2011/main" xmlns:a14="http://schemas.microsoft.com/office/drawing/2010/main" xmlns:m="http://schemas.openxmlformats.org/officeDocument/2006/math" xmlns="" val="1"/>
+              <ma14:wrappingTextBoxFlag xmlns="" xmlns:m="http://schemas.openxmlformats.org/officeDocument/2006/math" xmlns:a14="http://schemas.microsoft.com/office/drawing/2010/main" xmlns:ma14="http://schemas.microsoft.com/office/mac/drawingml/2011/main" val="1"/>
             </a:ext>
           </a:extLst>
         </p:spPr>
@@ -5034,7 +5087,7 @@
           </a:prstGeom>
           <a:extLst>
             <a:ext uri="{C572A759-6A51-4108-AA02-DFA0A04FC94B}">
-              <ma14:wrappingTextBoxFlag xmlns:ma14="http://schemas.microsoft.com/office/mac/drawingml/2011/main" xmlns:a14="http://schemas.microsoft.com/office/drawing/2010/main" xmlns:m="http://schemas.openxmlformats.org/officeDocument/2006/math" xmlns="" val="1"/>
+              <ma14:wrappingTextBoxFlag xmlns="" xmlns:m="http://schemas.openxmlformats.org/officeDocument/2006/math" xmlns:a14="http://schemas.microsoft.com/office/drawing/2010/main" xmlns:ma14="http://schemas.microsoft.com/office/mac/drawingml/2011/main" val="1"/>
             </a:ext>
           </a:extLst>
         </p:spPr>
@@ -5091,7 +5144,7 @@
           </a:ln>
           <a:extLst>
             <a:ext uri="{C572A759-6A51-4108-AA02-DFA0A04FC94B}">
-              <ma14:wrappingTextBoxFlag xmlns:ma14="http://schemas.microsoft.com/office/mac/drawingml/2011/main" xmlns:a14="http://schemas.microsoft.com/office/drawing/2010/main" xmlns:m="http://schemas.openxmlformats.org/officeDocument/2006/math" xmlns="" val="1"/>
+              <ma14:wrappingTextBoxFlag xmlns="" xmlns:m="http://schemas.openxmlformats.org/officeDocument/2006/math" xmlns:a14="http://schemas.microsoft.com/office/drawing/2010/main" xmlns:ma14="http://schemas.microsoft.com/office/mac/drawingml/2011/main" val="1"/>
             </a:ext>
           </a:extLst>
         </p:spPr>
@@ -5167,7 +5220,7 @@
           </a:prstGeom>
           <a:extLst>
             <a:ext uri="{C572A759-6A51-4108-AA02-DFA0A04FC94B}">
-              <ma14:wrappingTextBoxFlag xmlns:ma14="http://schemas.microsoft.com/office/mac/drawingml/2011/main" xmlns:a14="http://schemas.microsoft.com/office/drawing/2010/main" xmlns:m="http://schemas.openxmlformats.org/officeDocument/2006/math" xmlns="" val="1"/>
+              <ma14:wrappingTextBoxFlag xmlns="" xmlns:m="http://schemas.openxmlformats.org/officeDocument/2006/math" xmlns:a14="http://schemas.microsoft.com/office/drawing/2010/main" xmlns:ma14="http://schemas.microsoft.com/office/mac/drawingml/2011/main" val="1"/>
             </a:ext>
           </a:extLst>
         </p:spPr>
@@ -5210,7 +5263,7 @@
           </a:ln>
           <a:extLst>
             <a:ext uri="{C572A759-6A51-4108-AA02-DFA0A04FC94B}">
-              <ma14:wrappingTextBoxFlag xmlns:ma14="http://schemas.microsoft.com/office/mac/drawingml/2011/main" xmlns:a14="http://schemas.microsoft.com/office/drawing/2010/main" xmlns:m="http://schemas.openxmlformats.org/officeDocument/2006/math" xmlns="" val="1"/>
+              <ma14:wrappingTextBoxFlag xmlns="" xmlns:m="http://schemas.openxmlformats.org/officeDocument/2006/math" xmlns:a14="http://schemas.microsoft.com/office/drawing/2010/main" xmlns:ma14="http://schemas.microsoft.com/office/mac/drawingml/2011/main" val="1"/>
             </a:ext>
           </a:extLst>
         </p:spPr>
@@ -5333,7 +5386,7 @@
           </a:ln>
           <a:extLst>
             <a:ext uri="{C572A759-6A51-4108-AA02-DFA0A04FC94B}">
-              <ma14:wrappingTextBoxFlag xmlns:ma14="http://schemas.microsoft.com/office/mac/drawingml/2011/main" xmlns:a14="http://schemas.microsoft.com/office/drawing/2010/main" xmlns:m="http://schemas.openxmlformats.org/officeDocument/2006/math" xmlns="" val="1"/>
+              <ma14:wrappingTextBoxFlag xmlns="" xmlns:m="http://schemas.openxmlformats.org/officeDocument/2006/math" xmlns:a14="http://schemas.microsoft.com/office/drawing/2010/main" xmlns:ma14="http://schemas.microsoft.com/office/mac/drawingml/2011/main" val="1"/>
             </a:ext>
           </a:extLst>
         </p:spPr>
@@ -5380,7 +5433,7 @@
           </a:ln>
           <a:extLst>
             <a:ext uri="{C572A759-6A51-4108-AA02-DFA0A04FC94B}">
-              <ma14:wrappingTextBoxFlag xmlns:ma14="http://schemas.microsoft.com/office/mac/drawingml/2011/main" xmlns:a14="http://schemas.microsoft.com/office/drawing/2010/main" xmlns:m="http://schemas.openxmlformats.org/officeDocument/2006/math" xmlns="" val="1"/>
+              <ma14:wrappingTextBoxFlag xmlns="" xmlns:m="http://schemas.openxmlformats.org/officeDocument/2006/math" xmlns:a14="http://schemas.microsoft.com/office/drawing/2010/main" xmlns:ma14="http://schemas.microsoft.com/office/mac/drawingml/2011/main" val="1"/>
             </a:ext>
           </a:extLst>
         </p:spPr>
@@ -5510,7 +5563,7 @@
           </a:ln>
           <a:extLst>
             <a:ext uri="{C572A759-6A51-4108-AA02-DFA0A04FC94B}">
-              <ma14:wrappingTextBoxFlag xmlns:ma14="http://schemas.microsoft.com/office/mac/drawingml/2011/main" xmlns:a14="http://schemas.microsoft.com/office/drawing/2010/main" xmlns:m="http://schemas.openxmlformats.org/officeDocument/2006/math" xmlns="" val="1"/>
+              <ma14:wrappingTextBoxFlag xmlns="" xmlns:m="http://schemas.openxmlformats.org/officeDocument/2006/math" xmlns:a14="http://schemas.microsoft.com/office/drawing/2010/main" xmlns:ma14="http://schemas.microsoft.com/office/mac/drawingml/2011/main" val="1"/>
             </a:ext>
           </a:extLst>
         </p:spPr>
@@ -5640,7 +5693,7 @@
           </a:ln>
           <a:extLst>
             <a:ext uri="{C572A759-6A51-4108-AA02-DFA0A04FC94B}">
-              <ma14:wrappingTextBoxFlag xmlns:ma14="http://schemas.microsoft.com/office/mac/drawingml/2011/main" xmlns:a14="http://schemas.microsoft.com/office/drawing/2010/main" xmlns:m="http://schemas.openxmlformats.org/officeDocument/2006/math" xmlns="" val="1"/>
+              <ma14:wrappingTextBoxFlag xmlns="" xmlns:m="http://schemas.openxmlformats.org/officeDocument/2006/math" xmlns:a14="http://schemas.microsoft.com/office/drawing/2010/main" xmlns:ma14="http://schemas.microsoft.com/office/mac/drawingml/2011/main" val="1"/>
             </a:ext>
           </a:extLst>
         </p:spPr>
@@ -5694,8 +5747,8 @@
           </a:p>
         </p:txBody>
       </p:sp>
-      <mc:AlternateContent xmlns:mc="http://schemas.openxmlformats.org/markup-compatibility/2006">
-        <mc:Choice xmlns:a14="http://schemas.microsoft.com/office/drawing/2010/main" Requires="a14">
+      <mc:AlternateContent xmlns:mc="http://schemas.openxmlformats.org/markup-compatibility/2006" xmlns:a14="http://schemas.microsoft.com/office/drawing/2010/main">
+        <mc:Choice Requires="a14">
           <p:sp>
             <p:nvSpPr>
               <p:cNvPr id="78" name="TextBox 270"/>
@@ -5715,7 +5768,7 @@
               </a:ln>
               <a:extLst>
                 <a:ext uri="{C572A759-6A51-4108-AA02-DFA0A04FC94B}">
-                  <ma14:wrappingTextBoxFlag xmlns:ma14="http://schemas.microsoft.com/office/mac/drawingml/2011/main" xmlns:m="http://schemas.openxmlformats.org/officeDocument/2006/math" xmlns="" val="1"/>
+                  <ma14:wrappingTextBoxFlag xmlns="" xmlns:m="http://schemas.openxmlformats.org/officeDocument/2006/math" xmlns:ma14="http://schemas.microsoft.com/office/mac/drawingml/2011/main" val="1"/>
                 </a:ext>
               </a:extLst>
             </p:spPr>
@@ -6895,7 +6948,7 @@
             </p:txBody>
           </p:sp>
         </mc:Choice>
-        <mc:Fallback>
+        <mc:Fallback xmlns="">
           <p:sp>
             <p:nvSpPr>
               <p:cNvPr id="78" name="TextBox 270"/>
@@ -6961,7 +7014,7 @@
           </a:ln>
           <a:extLst>
             <a:ext uri="{C572A759-6A51-4108-AA02-DFA0A04FC94B}">
-              <ma14:wrappingTextBoxFlag xmlns:ma14="http://schemas.microsoft.com/office/mac/drawingml/2011/main" xmlns:a14="http://schemas.microsoft.com/office/drawing/2010/main" xmlns:m="http://schemas.openxmlformats.org/officeDocument/2006/math" xmlns="" val="1"/>
+              <ma14:wrappingTextBoxFlag xmlns="" xmlns:m="http://schemas.openxmlformats.org/officeDocument/2006/math" xmlns:a14="http://schemas.microsoft.com/office/drawing/2010/main" xmlns:ma14="http://schemas.microsoft.com/office/mac/drawingml/2011/main" val="1"/>
             </a:ext>
           </a:extLst>
         </p:spPr>
@@ -7251,7 +7304,7 @@
           </a:ln>
           <a:extLst>
             <a:ext uri="{C572A759-6A51-4108-AA02-DFA0A04FC94B}">
-              <ma14:wrappingTextBoxFlag xmlns:ma14="http://schemas.microsoft.com/office/mac/drawingml/2011/main" xmlns:a14="http://schemas.microsoft.com/office/drawing/2010/main" xmlns:m="http://schemas.openxmlformats.org/officeDocument/2006/math" xmlns="" val="1"/>
+              <ma14:wrappingTextBoxFlag xmlns="" xmlns:m="http://schemas.openxmlformats.org/officeDocument/2006/math" xmlns:a14="http://schemas.microsoft.com/office/drawing/2010/main" xmlns:ma14="http://schemas.microsoft.com/office/mac/drawingml/2011/main" val="1"/>
             </a:ext>
           </a:extLst>
         </p:spPr>
@@ -7297,7 +7350,7 @@
           </a:prstGeom>
           <a:extLst>
             <a:ext uri="{C572A759-6A51-4108-AA02-DFA0A04FC94B}">
-              <ma14:wrappingTextBoxFlag xmlns:ma14="http://schemas.microsoft.com/office/mac/drawingml/2011/main" xmlns:a14="http://schemas.microsoft.com/office/drawing/2010/main" xmlns:m="http://schemas.openxmlformats.org/officeDocument/2006/math" xmlns="" val="1"/>
+              <ma14:wrappingTextBoxFlag xmlns="" xmlns:m="http://schemas.openxmlformats.org/officeDocument/2006/math" xmlns:a14="http://schemas.microsoft.com/office/drawing/2010/main" xmlns:ma14="http://schemas.microsoft.com/office/mac/drawingml/2011/main" val="1"/>
             </a:ext>
           </a:extLst>
         </p:spPr>
@@ -7369,7 +7422,7 @@
           </a:ln>
           <a:extLst>
             <a:ext uri="{C572A759-6A51-4108-AA02-DFA0A04FC94B}">
-              <ma14:wrappingTextBoxFlag xmlns:ma14="http://schemas.microsoft.com/office/mac/drawingml/2011/main" xmlns:a14="http://schemas.microsoft.com/office/drawing/2010/main" xmlns:m="http://schemas.openxmlformats.org/officeDocument/2006/math" xmlns="" val="1"/>
+              <ma14:wrappingTextBoxFlag xmlns="" xmlns:m="http://schemas.openxmlformats.org/officeDocument/2006/math" xmlns:a14="http://schemas.microsoft.com/office/drawing/2010/main" xmlns:ma14="http://schemas.microsoft.com/office/mac/drawingml/2011/main" val="1"/>
             </a:ext>
           </a:extLst>
         </p:spPr>
@@ -7501,7 +7554,7 @@
               </a:ln>
               <a:extLst>
                 <a:ext uri="{C572A759-6A51-4108-AA02-DFA0A04FC94B}">
-                  <ma14:wrappingTextBoxFlag xmlns:ma14="http://schemas.microsoft.com/office/mac/drawingml/2011/main" xmlns:m="http://schemas.openxmlformats.org/officeDocument/2006/math" xmlns="" val="1"/>
+                  <ma14:wrappingTextBoxFlag xmlns="" xmlns:m="http://schemas.openxmlformats.org/officeDocument/2006/math" xmlns:ma14="http://schemas.microsoft.com/office/mac/drawingml/2011/main" val="1"/>
                 </a:ext>
               </a:extLst>
             </p:spPr>
@@ -7819,13 +7872,13 @@
           </a:ln>
           <a:extLst>
             <a:ext uri="{C572A759-6A51-4108-AA02-DFA0A04FC94B}">
-              <ma14:wrappingTextBoxFlag xmlns:ma14="http://schemas.microsoft.com/office/mac/drawingml/2011/main" xmlns:a14="http://schemas.microsoft.com/office/drawing/2010/main" xmlns:m="http://schemas.openxmlformats.org/officeDocument/2006/math" xmlns="" val="1"/>
+              <ma14:wrappingTextBoxFlag xmlns="" xmlns:m="http://schemas.openxmlformats.org/officeDocument/2006/math" xmlns:a14="http://schemas.microsoft.com/office/drawing/2010/main" xmlns:ma14="http://schemas.microsoft.com/office/mac/drawingml/2011/main" val="1"/>
             </a:ext>
           </a:extLst>
         </p:spPr>
         <p:txBody>
           <a:bodyPr lIns="45719" rIns="45719">
-            <a:normAutofit fontScale="92500"/>
+            <a:normAutofit/>
           </a:bodyPr>
           <a:lstStyle>
             <a:lvl1pPr defTabSz="5381712">
@@ -9082,8 +9135,8 @@
           <a:fontRef idx="none"/>
         </p:style>
       </p:cxnSp>
-      <mc:AlternateContent xmlns:mc="http://schemas.openxmlformats.org/markup-compatibility/2006">
-        <mc:Choice xmlns:a14="http://schemas.microsoft.com/office/drawing/2010/main" Requires="a14">
+      <mc:AlternateContent xmlns:mc="http://schemas.openxmlformats.org/markup-compatibility/2006" xmlns:a14="http://schemas.microsoft.com/office/drawing/2010/main">
+        <mc:Choice Requires="a14">
           <p:sp>
             <p:nvSpPr>
               <p:cNvPr id="5" name="TextBox 4">
@@ -9407,7 +9460,7 @@
             </p:txBody>
           </p:sp>
         </mc:Choice>
-        <mc:Fallback>
+        <mc:Fallback xmlns="">
           <p:sp>
             <p:nvSpPr>
               <p:cNvPr id="5" name="TextBox 4">
@@ -9453,8 +9506,8 @@
           </p:sp>
         </mc:Fallback>
       </mc:AlternateContent>
-      <mc:AlternateContent xmlns:mc="http://schemas.openxmlformats.org/markup-compatibility/2006">
-        <mc:Choice xmlns:a14="http://schemas.microsoft.com/office/drawing/2010/main" Requires="a14">
+      <mc:AlternateContent xmlns:mc="http://schemas.openxmlformats.org/markup-compatibility/2006" xmlns:a14="http://schemas.microsoft.com/office/drawing/2010/main">
+        <mc:Choice Requires="a14">
           <p:sp>
             <p:nvSpPr>
               <p:cNvPr id="7" name="TextBox 6">
@@ -10013,7 +10066,7 @@
             </p:txBody>
           </p:sp>
         </mc:Choice>
-        <mc:Fallback>
+        <mc:Fallback xmlns="">
           <p:sp>
             <p:nvSpPr>
               <p:cNvPr id="7" name="TextBox 6">
@@ -10093,6 +10146,78 @@
           <a:xfrm>
             <a:off x="18187685" y="41596521"/>
             <a:ext cx="1197662" cy="1170024"/>
+          </a:xfrm>
+          <a:prstGeom prst="rect">
+            <a:avLst/>
+          </a:prstGeom>
+        </p:spPr>
+      </p:pic>
+      <p:pic>
+        <p:nvPicPr>
+          <p:cNvPr id="8" name="Picture 7" descr="A qr code with green dots&#10;&#10;Description automatically generated">
+            <a:extLst>
+              <a:ext uri="{FF2B5EF4-FFF2-40B4-BE49-F238E27FC236}">
+                <a16:creationId xmlns:a16="http://schemas.microsoft.com/office/drawing/2014/main" id="{14B01238-9D8B-BF7B-624C-9DB270D7BFEE}"/>
+              </a:ext>
+            </a:extLst>
+          </p:cNvPr>
+          <p:cNvPicPr>
+            <a:picLocks noChangeAspect="1"/>
+          </p:cNvPicPr>
+          <p:nvPr/>
+        </p:nvPicPr>
+        <p:blipFill>
+          <a:blip r:embed="rId22">
+            <a:extLst>
+              <a:ext uri="{28A0092B-C50C-407E-A947-70E740481C1C}">
+                <a14:useLocalDpi xmlns:a14="http://schemas.microsoft.com/office/drawing/2010/main" val="0"/>
+              </a:ext>
+            </a:extLst>
+          </a:blip>
+          <a:stretch>
+            <a:fillRect/>
+          </a:stretch>
+        </p:blipFill>
+        <p:spPr>
+          <a:xfrm>
+            <a:off x="24808456" y="41551817"/>
+            <a:ext cx="1197662" cy="1197662"/>
+          </a:xfrm>
+          <a:prstGeom prst="rect">
+            <a:avLst/>
+          </a:prstGeom>
+        </p:spPr>
+      </p:pic>
+      <p:pic>
+        <p:nvPicPr>
+          <p:cNvPr id="13" name="Picture 12" descr="A qr code with green dots&#10;&#10;Description automatically generated">
+            <a:extLst>
+              <a:ext uri="{FF2B5EF4-FFF2-40B4-BE49-F238E27FC236}">
+                <a16:creationId xmlns:a16="http://schemas.microsoft.com/office/drawing/2014/main" id="{F995C2E1-2433-9C29-E642-F40708149E27}"/>
+              </a:ext>
+            </a:extLst>
+          </p:cNvPr>
+          <p:cNvPicPr>
+            <a:picLocks noChangeAspect="1"/>
+          </p:cNvPicPr>
+          <p:nvPr/>
+        </p:nvPicPr>
+        <p:blipFill>
+          <a:blip r:embed="rId23">
+            <a:extLst>
+              <a:ext uri="{28A0092B-C50C-407E-A947-70E740481C1C}">
+                <a14:useLocalDpi xmlns:a14="http://schemas.microsoft.com/office/drawing/2010/main" val="0"/>
+              </a:ext>
+            </a:extLst>
+          </a:blip>
+          <a:stretch>
+            <a:fillRect/>
+          </a:stretch>
+        </p:blipFill>
+        <p:spPr>
+          <a:xfrm>
+            <a:off x="25407287" y="1964791"/>
+            <a:ext cx="2963208" cy="2963208"/>
           </a:xfrm>
           <a:prstGeom prst="rect">
             <a:avLst/>

--- a/Posters/MF-RMAB_SYNTACS_Poster.pptx
+++ b/Posters/MF-RMAB_SYNTACS_Poster.pptx
@@ -321,7 +321,7 @@
 <file path=ppt/revisionInfo.xml><?xml version="1.0" encoding="utf-8"?>
 <p1510:revInfo xmlns:a="http://schemas.openxmlformats.org/drawingml/2006/main" xmlns:r="http://schemas.openxmlformats.org/officeDocument/2006/relationships" xmlns:p1510="http://schemas.microsoft.com/office/powerpoint/2015/10/main">
   <p1510:revLst>
-    <p1510:client id="{8C822D02-3011-4F6C-96A8-0E13DA56510D}" v="1" dt="2024-05-01T07:05:07.463"/>
+    <p1510:client id="{8C822D02-3011-4F6C-96A8-0E13DA56510D}" v="2" dt="2024-05-01T07:13:39.236"/>
   </p1510:revLst>
 </p1510:revInfo>
 </file>
@@ -331,12 +331,12 @@
   <pc:docChgLst>
     <pc:chgData name="Sujit Gujar" userId="4808e315e35fc1c3" providerId="LiveId" clId="{8C822D02-3011-4F6C-96A8-0E13DA56510D}"/>
     <pc:docChg chg="custSel modSld">
-      <pc:chgData name="Sujit Gujar" userId="4808e315e35fc1c3" providerId="LiveId" clId="{8C822D02-3011-4F6C-96A8-0E13DA56510D}" dt="2024-05-01T07:06:03.067" v="17" actId="1076"/>
+      <pc:chgData name="Sujit Gujar" userId="4808e315e35fc1c3" providerId="LiveId" clId="{8C822D02-3011-4F6C-96A8-0E13DA56510D}" dt="2024-05-01T07:14:40.739" v="29" actId="12789"/>
       <pc:docMkLst>
         <pc:docMk/>
       </pc:docMkLst>
-      <pc:sldChg chg="addSp modSp mod">
-        <pc:chgData name="Sujit Gujar" userId="4808e315e35fc1c3" providerId="LiveId" clId="{8C822D02-3011-4F6C-96A8-0E13DA56510D}" dt="2024-05-01T07:06:03.067" v="17" actId="1076"/>
+      <pc:sldChg chg="addSp delSp modSp mod">
+        <pc:chgData name="Sujit Gujar" userId="4808e315e35fc1c3" providerId="LiveId" clId="{8C822D02-3011-4F6C-96A8-0E13DA56510D}" dt="2024-05-01T07:14:40.739" v="29" actId="12789"/>
         <pc:sldMkLst>
           <pc:docMk/>
           <pc:sldMk cId="0" sldId="256"/>
@@ -349,12 +349,36 @@
             <ac:spMk id="91" creationId="{00000000-0000-0000-0000-000000000000}"/>
           </ac:spMkLst>
         </pc:spChg>
-        <pc:picChg chg="add mod">
-          <ac:chgData name="Sujit Gujar" userId="4808e315e35fc1c3" providerId="LiveId" clId="{8C822D02-3011-4F6C-96A8-0E13DA56510D}" dt="2024-05-01T07:06:03.067" v="17" actId="1076"/>
+        <pc:picChg chg="mod">
+          <ac:chgData name="Sujit Gujar" userId="4808e315e35fc1c3" providerId="LiveId" clId="{8C822D02-3011-4F6C-96A8-0E13DA56510D}" dt="2024-05-01T07:14:40.739" v="29" actId="12789"/>
+          <ac:picMkLst>
+            <pc:docMk/>
+            <pc:sldMk cId="0" sldId="256"/>
+            <ac:picMk id="4" creationId="{00000000-0000-0000-0000-000000000000}"/>
+          </ac:picMkLst>
+        </pc:picChg>
+        <pc:picChg chg="mod">
+          <ac:chgData name="Sujit Gujar" userId="4808e315e35fc1c3" providerId="LiveId" clId="{8C822D02-3011-4F6C-96A8-0E13DA56510D}" dt="2024-05-01T07:14:40.739" v="29" actId="12789"/>
+          <ac:picMkLst>
+            <pc:docMk/>
+            <pc:sldMk cId="0" sldId="256"/>
+            <ac:picMk id="6" creationId="{3EACC9D9-3FAE-6986-327E-AD72F8EDAB90}"/>
+          </ac:picMkLst>
+        </pc:picChg>
+        <pc:picChg chg="add del mod">
+          <ac:chgData name="Sujit Gujar" userId="4808e315e35fc1c3" providerId="LiveId" clId="{8C822D02-3011-4F6C-96A8-0E13DA56510D}" dt="2024-05-01T07:13:28.863" v="18" actId="478"/>
           <ac:picMkLst>
             <pc:docMk/>
             <pc:sldMk cId="0" sldId="256"/>
             <ac:picMk id="8" creationId="{14B01238-9D8B-BF7B-624C-9DB270D7BFEE}"/>
+          </ac:picMkLst>
+        </pc:picChg>
+        <pc:picChg chg="mod">
+          <ac:chgData name="Sujit Gujar" userId="4808e315e35fc1c3" providerId="LiveId" clId="{8C822D02-3011-4F6C-96A8-0E13DA56510D}" dt="2024-05-01T07:14:40.739" v="29" actId="12789"/>
+          <ac:picMkLst>
+            <pc:docMk/>
+            <pc:sldMk cId="0" sldId="256"/>
+            <ac:picMk id="10" creationId="{9777C00D-CD6F-D73F-21B4-4B91B744DC58}"/>
           </ac:picMkLst>
         </pc:picChg>
         <pc:picChg chg="add mod">
@@ -363,6 +387,30 @@
             <pc:docMk/>
             <pc:sldMk cId="0" sldId="256"/>
             <ac:picMk id="13" creationId="{F995C2E1-2433-9C29-E642-F40708149E27}"/>
+          </ac:picMkLst>
+        </pc:picChg>
+        <pc:picChg chg="add mod">
+          <ac:chgData name="Sujit Gujar" userId="4808e315e35fc1c3" providerId="LiveId" clId="{8C822D02-3011-4F6C-96A8-0E13DA56510D}" dt="2024-05-01T07:14:40.739" v="29" actId="12789"/>
+          <ac:picMkLst>
+            <pc:docMk/>
+            <pc:sldMk cId="0" sldId="256"/>
+            <ac:picMk id="15" creationId="{AD23BCBF-0C1E-2F90-956B-361E2DDB143E}"/>
+          </ac:picMkLst>
+        </pc:picChg>
+        <pc:picChg chg="mod">
+          <ac:chgData name="Sujit Gujar" userId="4808e315e35fc1c3" providerId="LiveId" clId="{8C822D02-3011-4F6C-96A8-0E13DA56510D}" dt="2024-05-01T07:14:40.739" v="29" actId="12789"/>
+          <ac:picMkLst>
+            <pc:docMk/>
+            <pc:sldMk cId="0" sldId="256"/>
+            <ac:picMk id="71" creationId="{00000000-0000-0000-0000-000000000000}"/>
+          </ac:picMkLst>
+        </pc:picChg>
+        <pc:picChg chg="mod">
+          <ac:chgData name="Sujit Gujar" userId="4808e315e35fc1c3" providerId="LiveId" clId="{8C822D02-3011-4F6C-96A8-0E13DA56510D}" dt="2024-05-01T07:14:40.739" v="29" actId="12789"/>
+          <ac:picMkLst>
+            <pc:docMk/>
+            <pc:sldMk cId="0" sldId="256"/>
+            <ac:picMk id="75" creationId="{00000000-0000-0000-0000-000000000000}"/>
           </ac:picMkLst>
         </pc:picChg>
       </pc:sldChg>
@@ -5533,7 +5581,7 @@
         </p:blipFill>
         <p:spPr>
           <a:xfrm>
-            <a:off x="11404796" y="40963659"/>
+            <a:off x="12709092" y="40963659"/>
             <a:ext cx="3247665" cy="2435749"/>
           </a:xfrm>
           <a:prstGeom prst="rect">
@@ -7956,7 +8004,7 @@
         </p:blipFill>
         <p:spPr>
           <a:xfrm>
-            <a:off x="22160227" y="41613588"/>
+            <a:off x="24223633" y="41613588"/>
             <a:ext cx="1986001" cy="1135891"/>
           </a:xfrm>
           <a:prstGeom prst="rect">
@@ -7995,7 +8043,7 @@
         </p:blipFill>
         <p:spPr>
           <a:xfrm>
-            <a:off x="15132051" y="41622497"/>
+            <a:off x="17590141" y="41622497"/>
             <a:ext cx="2169062" cy="1118073"/>
           </a:xfrm>
           <a:prstGeom prst="rect">
@@ -10144,7 +10192,7 @@
         </p:blipFill>
         <p:spPr>
           <a:xfrm>
-            <a:off x="18187685" y="41596521"/>
+            <a:off x="21392587" y="41596521"/>
             <a:ext cx="1197662" cy="1170024"/>
           </a:xfrm>
           <a:prstGeom prst="rect">
@@ -10154,10 +10202,10 @@
       </p:pic>
       <p:pic>
         <p:nvPicPr>
-          <p:cNvPr id="8" name="Picture 7" descr="A qr code with green dots&#10;&#10;Description automatically generated">
+          <p:cNvPr id="13" name="Picture 12" descr="A qr code with green dots&#10;&#10;Description automatically generated">
             <a:extLst>
               <a:ext uri="{FF2B5EF4-FFF2-40B4-BE49-F238E27FC236}">
-                <a16:creationId xmlns:a16="http://schemas.microsoft.com/office/drawing/2014/main" id="{14B01238-9D8B-BF7B-624C-9DB270D7BFEE}"/>
+                <a16:creationId xmlns:a16="http://schemas.microsoft.com/office/drawing/2014/main" id="{F995C2E1-2433-9C29-E642-F40708149E27}"/>
               </a:ext>
             </a:extLst>
           </p:cNvPr>
@@ -10180,8 +10228,8 @@
         </p:blipFill>
         <p:spPr>
           <a:xfrm>
-            <a:off x="24808456" y="41551817"/>
-            <a:ext cx="1197662" cy="1197662"/>
+            <a:off x="25407287" y="1964791"/>
+            <a:ext cx="2963208" cy="2963208"/>
           </a:xfrm>
           <a:prstGeom prst="rect">
             <a:avLst/>
@@ -10190,10 +10238,10 @@
       </p:pic>
       <p:pic>
         <p:nvPicPr>
-          <p:cNvPr id="13" name="Picture 12" descr="A qr code with green dots&#10;&#10;Description automatically generated">
+          <p:cNvPr id="15" name="Picture 14" descr="A qr code with dots&#10;&#10;Description automatically generated">
             <a:extLst>
               <a:ext uri="{FF2B5EF4-FFF2-40B4-BE49-F238E27FC236}">
-                <a16:creationId xmlns:a16="http://schemas.microsoft.com/office/drawing/2014/main" id="{F995C2E1-2433-9C29-E642-F40708149E27}"/>
+                <a16:creationId xmlns:a16="http://schemas.microsoft.com/office/drawing/2014/main" id="{AD23BCBF-0C1E-2F90-956B-361E2DDB143E}"/>
               </a:ext>
             </a:extLst>
           </p:cNvPr>
@@ -10216,8 +10264,8 @@
         </p:blipFill>
         <p:spPr>
           <a:xfrm>
-            <a:off x="25407287" y="1964791"/>
-            <a:ext cx="2963208" cy="2963208"/>
+            <a:off x="27843020" y="41654059"/>
+            <a:ext cx="1054949" cy="1054949"/>
           </a:xfrm>
           <a:prstGeom prst="rect">
             <a:avLst/>
